--- a/presentation.pptx
+++ b/presentation.pptx
@@ -16532,9 +16532,12 @@
 </file>
 
 <file path=customXml/item1.xml><?xml version="1.0" encoding="utf-8"?>
-<p:properties xmlns:p="http://schemas.microsoft.com/office/2006/metadata/properties" xmlns:xsi="http://www.w3.org/2001/XMLSchema-instance" xmlns:pc="http://schemas.microsoft.com/office/infopath/2007/PartnerControls">
-  <documentManagement/>
-</p:properties>
+<?mso-contentType ?>
+<FormTemplates xmlns="http://schemas.microsoft.com/sharepoint/v3/contenttype/forms">
+  <Display>DocumentLibraryForm</Display>
+  <Edit>DocumentLibraryForm</Edit>
+  <New>DocumentLibraryForm</New>
+</FormTemplates>
 </file>
 
 <file path=customXml/item2.xml><?xml version="1.0" encoding="utf-8"?>
@@ -16723,27 +16726,15 @@
 </file>
 
 <file path=customXml/item3.xml><?xml version="1.0" encoding="utf-8"?>
-<?mso-contentType ?>
-<FormTemplates xmlns="http://schemas.microsoft.com/sharepoint/v3/contenttype/forms">
-  <Display>DocumentLibraryForm</Display>
-  <Edit>DocumentLibraryForm</Edit>
-  <New>DocumentLibraryForm</New>
-</FormTemplates>
+<p:properties xmlns:p="http://schemas.microsoft.com/office/2006/metadata/properties" xmlns:xsi="http://www.w3.org/2001/XMLSchema-instance" xmlns:pc="http://schemas.microsoft.com/office/infopath/2007/PartnerControls">
+  <documentManagement/>
+</p:properties>
 </file>
 
 <file path=customXml/itemProps1.xml><?xml version="1.0" encoding="utf-8"?>
-<ds:datastoreItem xmlns:ds="http://schemas.openxmlformats.org/officeDocument/2006/customXml" ds:itemID="{90C715CF-38FB-4006-896E-2F445B1B40B5}">
+<ds:datastoreItem xmlns:ds="http://schemas.openxmlformats.org/officeDocument/2006/customXml" ds:itemID="{788143E9-4048-4BED-AC7A-88929F3F150E}">
   <ds:schemaRefs>
-    <ds:schemaRef ds:uri="http://purl.org/dc/elements/1.1/"/>
-    <ds:schemaRef ds:uri="http://schemas.microsoft.com/office/2006/metadata/properties"/>
-    <ds:schemaRef ds:uri="http://schemas.microsoft.com/office/2006/documentManagement/types"/>
-    <ds:schemaRef ds:uri="http://purl.org/dc/terms/"/>
-    <ds:schemaRef ds:uri="http://schemas.openxmlformats.org/package/2006/metadata/core-properties"/>
-    <ds:schemaRef ds:uri="http://purl.org/dc/dcmitype/"/>
-    <ds:schemaRef ds:uri="http://www.w3.org/XML/1998/namespace"/>
-    <ds:schemaRef ds:uri="http://schemas.microsoft.com/office/infopath/2007/PartnerControls"/>
-    <ds:schemaRef ds:uri="c35ec016-431e-4ebd-893d-e1628a78c1a0"/>
-    <ds:schemaRef ds:uri="3e2265a6-241d-447e-84c0-d22c65546bbb"/>
+    <ds:schemaRef ds:uri="http://schemas.microsoft.com/sharepoint/v3/contenttype/forms"/>
   </ds:schemaRefs>
 </ds:datastoreItem>
 </file>
@@ -16768,9 +16759,18 @@
 </file>
 
 <file path=customXml/itemProps3.xml><?xml version="1.0" encoding="utf-8"?>
-<ds:datastoreItem xmlns:ds="http://schemas.openxmlformats.org/officeDocument/2006/customXml" ds:itemID="{788143E9-4048-4BED-AC7A-88929F3F150E}">
+<ds:datastoreItem xmlns:ds="http://schemas.openxmlformats.org/officeDocument/2006/customXml" ds:itemID="{90C715CF-38FB-4006-896E-2F445B1B40B5}">
   <ds:schemaRefs>
-    <ds:schemaRef ds:uri="http://schemas.microsoft.com/sharepoint/v3/contenttype/forms"/>
+    <ds:schemaRef ds:uri="http://purl.org/dc/elements/1.1/"/>
+    <ds:schemaRef ds:uri="http://schemas.microsoft.com/office/2006/metadata/properties"/>
+    <ds:schemaRef ds:uri="http://schemas.microsoft.com/office/2006/documentManagement/types"/>
+    <ds:schemaRef ds:uri="http://purl.org/dc/terms/"/>
+    <ds:schemaRef ds:uri="http://schemas.openxmlformats.org/package/2006/metadata/core-properties"/>
+    <ds:schemaRef ds:uri="http://purl.org/dc/dcmitype/"/>
+    <ds:schemaRef ds:uri="http://www.w3.org/XML/1998/namespace"/>
+    <ds:schemaRef ds:uri="http://schemas.microsoft.com/office/infopath/2007/PartnerControls"/>
+    <ds:schemaRef ds:uri="c35ec016-431e-4ebd-893d-e1628a78c1a0"/>
+    <ds:schemaRef ds:uri="3e2265a6-241d-447e-84c0-d22c65546bbb"/>
   </ds:schemaRefs>
 </ds:datastoreItem>
 </file>